--- a/ppt 16-9/0328.快乐之日.pptx
+++ b/ppt 16-9/0328.快乐之日.pptx
@@ -5,7 +5,7 @@
     <p:sldMasterId id="2147483648" r:id="rId1"/>
   </p:sldMasterIdLst>
   <p:sldIdLst>
-    <p:sldId id="3221" r:id="rId2"/>
+    <p:sldId id="3222" r:id="rId2"/>
   </p:sldIdLst>
   <p:sldSz cx="12192000" cy="6858000"/>
   <p:notesSz cx="6858000" cy="9144000"/>
@@ -129,7 +129,7 @@
           <p:cNvPr id="2" name="标题 1">
             <a:extLst>
               <a:ext uri="{FF2B5EF4-FFF2-40B4-BE49-F238E27FC236}">
-                <a16:creationId xmlns:a16="http://schemas.microsoft.com/office/drawing/2014/main" id="{17672D32-EBCA-A3AB-9B52-E7A2F68A6C58}"/>
+                <a16:creationId xmlns:a16="http://schemas.microsoft.com/office/drawing/2014/main" id="{CABFBA35-7B98-7CA2-26D9-D1D84A1B0B9A}"/>
               </a:ext>
             </a:extLst>
           </p:cNvPr>
@@ -166,7 +166,7 @@
           <p:cNvPr id="3" name="副标题 2">
             <a:extLst>
               <a:ext uri="{FF2B5EF4-FFF2-40B4-BE49-F238E27FC236}">
-                <a16:creationId xmlns:a16="http://schemas.microsoft.com/office/drawing/2014/main" id="{49B24578-1849-D51F-2904-87175961D604}"/>
+                <a16:creationId xmlns:a16="http://schemas.microsoft.com/office/drawing/2014/main" id="{31371C84-A4E1-BD6F-A53E-63D56EA5B1D4}"/>
               </a:ext>
             </a:extLst>
           </p:cNvPr>
@@ -236,7 +236,7 @@
           <p:cNvPr id="4" name="日期占位符 3">
             <a:extLst>
               <a:ext uri="{FF2B5EF4-FFF2-40B4-BE49-F238E27FC236}">
-                <a16:creationId xmlns:a16="http://schemas.microsoft.com/office/drawing/2014/main" id="{C14335C8-6DA8-23F1-9DE4-932761468C11}"/>
+                <a16:creationId xmlns:a16="http://schemas.microsoft.com/office/drawing/2014/main" id="{F58E7F23-FE48-272D-F368-CAEFD460990B}"/>
               </a:ext>
             </a:extLst>
           </p:cNvPr>
@@ -252,7 +252,7 @@
           <a:bodyPr/>
           <a:lstStyle/>
           <a:p>
-            <a:fld id="{7517DAA2-34AC-47A8-9386-123B4B973404}" type="datetimeFigureOut">
+            <a:fld id="{6165D026-F303-4DD3-B9D1-3ABE520BC65D}" type="datetimeFigureOut">
               <a:rPr lang="zh-CN" altLang="en-US" smtClean="0"/>
               <a:t>2024/3/10</a:t>
             </a:fld>
@@ -265,7 +265,7 @@
           <p:cNvPr id="5" name="页脚占位符 4">
             <a:extLst>
               <a:ext uri="{FF2B5EF4-FFF2-40B4-BE49-F238E27FC236}">
-                <a16:creationId xmlns:a16="http://schemas.microsoft.com/office/drawing/2014/main" id="{7AF446C8-2806-9419-CB97-DEE992E14C4D}"/>
+                <a16:creationId xmlns:a16="http://schemas.microsoft.com/office/drawing/2014/main" id="{C6FAE203-2208-EE4C-912C-80CD5299E27F}"/>
               </a:ext>
             </a:extLst>
           </p:cNvPr>
@@ -290,7 +290,7 @@
           <p:cNvPr id="6" name="灯片编号占位符 5">
             <a:extLst>
               <a:ext uri="{FF2B5EF4-FFF2-40B4-BE49-F238E27FC236}">
-                <a16:creationId xmlns:a16="http://schemas.microsoft.com/office/drawing/2014/main" id="{E2EB857F-3831-05C8-7131-075A2584294A}"/>
+                <a16:creationId xmlns:a16="http://schemas.microsoft.com/office/drawing/2014/main" id="{2B2E2B9D-32C0-A291-A494-93EB625CFBB1}"/>
               </a:ext>
             </a:extLst>
           </p:cNvPr>
@@ -306,7 +306,7 @@
           <a:bodyPr/>
           <a:lstStyle/>
           <a:p>
-            <a:fld id="{F8B32353-2ADB-4A14-A86A-9116BDB4F69A}" type="slidenum">
+            <a:fld id="{8404013A-21D0-42FC-9985-E89E799A0F4B}" type="slidenum">
               <a:rPr lang="zh-CN" altLang="en-US" smtClean="0"/>
               <a:t>‹#›</a:t>
             </a:fld>
@@ -317,7 +317,7 @@
     </p:spTree>
     <p:extLst>
       <p:ext uri="{BB962C8B-B14F-4D97-AF65-F5344CB8AC3E}">
-        <p14:creationId xmlns:p14="http://schemas.microsoft.com/office/powerpoint/2010/main" val="3309552014"/>
+        <p14:creationId xmlns:p14="http://schemas.microsoft.com/office/powerpoint/2010/main" val="486392350"/>
       </p:ext>
     </p:extLst>
   </p:cSld>
@@ -349,7 +349,7 @@
           <p:cNvPr id="2" name="标题 1">
             <a:extLst>
               <a:ext uri="{FF2B5EF4-FFF2-40B4-BE49-F238E27FC236}">
-                <a16:creationId xmlns:a16="http://schemas.microsoft.com/office/drawing/2014/main" id="{E584572E-866E-2F72-B4CB-98B2F176A484}"/>
+                <a16:creationId xmlns:a16="http://schemas.microsoft.com/office/drawing/2014/main" id="{FA5BCEA4-03B6-E39F-8C02-105A4937F0DB}"/>
               </a:ext>
             </a:extLst>
           </p:cNvPr>
@@ -377,7 +377,7 @@
           <p:cNvPr id="3" name="竖排文字占位符 2">
             <a:extLst>
               <a:ext uri="{FF2B5EF4-FFF2-40B4-BE49-F238E27FC236}">
-                <a16:creationId xmlns:a16="http://schemas.microsoft.com/office/drawing/2014/main" id="{CFABDD7C-D728-1A12-3A0D-81DF6505C28D}"/>
+                <a16:creationId xmlns:a16="http://schemas.microsoft.com/office/drawing/2014/main" id="{76D60BAD-A084-32D2-6B11-4F0283BAD32C}"/>
               </a:ext>
             </a:extLst>
           </p:cNvPr>
@@ -434,7 +434,7 @@
           <p:cNvPr id="4" name="日期占位符 3">
             <a:extLst>
               <a:ext uri="{FF2B5EF4-FFF2-40B4-BE49-F238E27FC236}">
-                <a16:creationId xmlns:a16="http://schemas.microsoft.com/office/drawing/2014/main" id="{2E362E0B-3C1C-3C15-DD3B-A8CFC7A95E9D}"/>
+                <a16:creationId xmlns:a16="http://schemas.microsoft.com/office/drawing/2014/main" id="{59B0C1D1-87FE-E544-A70E-45A36EDBD904}"/>
               </a:ext>
             </a:extLst>
           </p:cNvPr>
@@ -450,7 +450,7 @@
           <a:bodyPr/>
           <a:lstStyle/>
           <a:p>
-            <a:fld id="{7517DAA2-34AC-47A8-9386-123B4B973404}" type="datetimeFigureOut">
+            <a:fld id="{6165D026-F303-4DD3-B9D1-3ABE520BC65D}" type="datetimeFigureOut">
               <a:rPr lang="zh-CN" altLang="en-US" smtClean="0"/>
               <a:t>2024/3/10</a:t>
             </a:fld>
@@ -463,7 +463,7 @@
           <p:cNvPr id="5" name="页脚占位符 4">
             <a:extLst>
               <a:ext uri="{FF2B5EF4-FFF2-40B4-BE49-F238E27FC236}">
-                <a16:creationId xmlns:a16="http://schemas.microsoft.com/office/drawing/2014/main" id="{23CBD98B-7DD7-4DE1-80F4-DBAD2DA2A489}"/>
+                <a16:creationId xmlns:a16="http://schemas.microsoft.com/office/drawing/2014/main" id="{C992DEF5-12EC-E394-526B-18916AFA4451}"/>
               </a:ext>
             </a:extLst>
           </p:cNvPr>
@@ -488,7 +488,7 @@
           <p:cNvPr id="6" name="灯片编号占位符 5">
             <a:extLst>
               <a:ext uri="{FF2B5EF4-FFF2-40B4-BE49-F238E27FC236}">
-                <a16:creationId xmlns:a16="http://schemas.microsoft.com/office/drawing/2014/main" id="{CBCB8EE3-EA6C-06D0-EAED-042DA369EC2D}"/>
+                <a16:creationId xmlns:a16="http://schemas.microsoft.com/office/drawing/2014/main" id="{26388B2E-3F3C-1C47-A95A-A6EE61D9B285}"/>
               </a:ext>
             </a:extLst>
           </p:cNvPr>
@@ -504,7 +504,7 @@
           <a:bodyPr/>
           <a:lstStyle/>
           <a:p>
-            <a:fld id="{F8B32353-2ADB-4A14-A86A-9116BDB4F69A}" type="slidenum">
+            <a:fld id="{8404013A-21D0-42FC-9985-E89E799A0F4B}" type="slidenum">
               <a:rPr lang="zh-CN" altLang="en-US" smtClean="0"/>
               <a:t>‹#›</a:t>
             </a:fld>
@@ -515,7 +515,7 @@
     </p:spTree>
     <p:extLst>
       <p:ext uri="{BB962C8B-B14F-4D97-AF65-F5344CB8AC3E}">
-        <p14:creationId xmlns:p14="http://schemas.microsoft.com/office/powerpoint/2010/main" val="1154262375"/>
+        <p14:creationId xmlns:p14="http://schemas.microsoft.com/office/powerpoint/2010/main" val="862330262"/>
       </p:ext>
     </p:extLst>
   </p:cSld>
@@ -547,7 +547,7 @@
           <p:cNvPr id="2" name="竖排标题 1">
             <a:extLst>
               <a:ext uri="{FF2B5EF4-FFF2-40B4-BE49-F238E27FC236}">
-                <a16:creationId xmlns:a16="http://schemas.microsoft.com/office/drawing/2014/main" id="{E7425C78-731F-F70E-B0C7-5402967BDF8C}"/>
+                <a16:creationId xmlns:a16="http://schemas.microsoft.com/office/drawing/2014/main" id="{3C98374E-9BAF-845C-1D38-8A3F4BB2358C}"/>
               </a:ext>
             </a:extLst>
           </p:cNvPr>
@@ -580,7 +580,7 @@
           <p:cNvPr id="3" name="竖排文字占位符 2">
             <a:extLst>
               <a:ext uri="{FF2B5EF4-FFF2-40B4-BE49-F238E27FC236}">
-                <a16:creationId xmlns:a16="http://schemas.microsoft.com/office/drawing/2014/main" id="{ECA0203C-139D-D913-BB7D-F69600B854A9}"/>
+                <a16:creationId xmlns:a16="http://schemas.microsoft.com/office/drawing/2014/main" id="{94B60967-3C06-6E9A-F8E9-52DC2AC585DD}"/>
               </a:ext>
             </a:extLst>
           </p:cNvPr>
@@ -642,7 +642,7 @@
           <p:cNvPr id="4" name="日期占位符 3">
             <a:extLst>
               <a:ext uri="{FF2B5EF4-FFF2-40B4-BE49-F238E27FC236}">
-                <a16:creationId xmlns:a16="http://schemas.microsoft.com/office/drawing/2014/main" id="{5A6BE04E-1867-8EB3-AA83-0878E8BC450C}"/>
+                <a16:creationId xmlns:a16="http://schemas.microsoft.com/office/drawing/2014/main" id="{6F05D174-48E2-75C6-9575-704693CC02BC}"/>
               </a:ext>
             </a:extLst>
           </p:cNvPr>
@@ -658,7 +658,7 @@
           <a:bodyPr/>
           <a:lstStyle/>
           <a:p>
-            <a:fld id="{7517DAA2-34AC-47A8-9386-123B4B973404}" type="datetimeFigureOut">
+            <a:fld id="{6165D026-F303-4DD3-B9D1-3ABE520BC65D}" type="datetimeFigureOut">
               <a:rPr lang="zh-CN" altLang="en-US" smtClean="0"/>
               <a:t>2024/3/10</a:t>
             </a:fld>
@@ -671,7 +671,7 @@
           <p:cNvPr id="5" name="页脚占位符 4">
             <a:extLst>
               <a:ext uri="{FF2B5EF4-FFF2-40B4-BE49-F238E27FC236}">
-                <a16:creationId xmlns:a16="http://schemas.microsoft.com/office/drawing/2014/main" id="{1283424F-AF59-6EE2-951F-4D462BA970B7}"/>
+                <a16:creationId xmlns:a16="http://schemas.microsoft.com/office/drawing/2014/main" id="{B20DAFFD-1965-292C-1808-65103D59B296}"/>
               </a:ext>
             </a:extLst>
           </p:cNvPr>
@@ -696,7 +696,7 @@
           <p:cNvPr id="6" name="灯片编号占位符 5">
             <a:extLst>
               <a:ext uri="{FF2B5EF4-FFF2-40B4-BE49-F238E27FC236}">
-                <a16:creationId xmlns:a16="http://schemas.microsoft.com/office/drawing/2014/main" id="{B5B730F7-5773-E3F9-55EA-B05ED09E182E}"/>
+                <a16:creationId xmlns:a16="http://schemas.microsoft.com/office/drawing/2014/main" id="{E8FE457D-8155-BD12-2863-4E820317FB06}"/>
               </a:ext>
             </a:extLst>
           </p:cNvPr>
@@ -712,7 +712,7 @@
           <a:bodyPr/>
           <a:lstStyle/>
           <a:p>
-            <a:fld id="{F8B32353-2ADB-4A14-A86A-9116BDB4F69A}" type="slidenum">
+            <a:fld id="{8404013A-21D0-42FC-9985-E89E799A0F4B}" type="slidenum">
               <a:rPr lang="zh-CN" altLang="en-US" smtClean="0"/>
               <a:t>‹#›</a:t>
             </a:fld>
@@ -723,7 +723,7 @@
     </p:spTree>
     <p:extLst>
       <p:ext uri="{BB962C8B-B14F-4D97-AF65-F5344CB8AC3E}">
-        <p14:creationId xmlns:p14="http://schemas.microsoft.com/office/powerpoint/2010/main" val="11082739"/>
+        <p14:creationId xmlns:p14="http://schemas.microsoft.com/office/powerpoint/2010/main" val="4292710924"/>
       </p:ext>
     </p:extLst>
   </p:cSld>
@@ -755,7 +755,7 @@
           <p:cNvPr id="2" name="标题 1">
             <a:extLst>
               <a:ext uri="{FF2B5EF4-FFF2-40B4-BE49-F238E27FC236}">
-                <a16:creationId xmlns:a16="http://schemas.microsoft.com/office/drawing/2014/main" id="{33A5E8A3-C775-F1F0-9CD5-CEEF4B10792F}"/>
+                <a16:creationId xmlns:a16="http://schemas.microsoft.com/office/drawing/2014/main" id="{50A14212-B61B-5F10-24A8-1645C86A9807}"/>
               </a:ext>
             </a:extLst>
           </p:cNvPr>
@@ -783,7 +783,7 @@
           <p:cNvPr id="3" name="内容占位符 2">
             <a:extLst>
               <a:ext uri="{FF2B5EF4-FFF2-40B4-BE49-F238E27FC236}">
-                <a16:creationId xmlns:a16="http://schemas.microsoft.com/office/drawing/2014/main" id="{EA8AC969-69CA-9006-730B-666E382991AF}"/>
+                <a16:creationId xmlns:a16="http://schemas.microsoft.com/office/drawing/2014/main" id="{0B9B2B40-B047-2B67-38C0-B674566D32D7}"/>
               </a:ext>
             </a:extLst>
           </p:cNvPr>
@@ -840,7 +840,7 @@
           <p:cNvPr id="4" name="日期占位符 3">
             <a:extLst>
               <a:ext uri="{FF2B5EF4-FFF2-40B4-BE49-F238E27FC236}">
-                <a16:creationId xmlns:a16="http://schemas.microsoft.com/office/drawing/2014/main" id="{91C4E86F-10A4-6B83-A128-249758032149}"/>
+                <a16:creationId xmlns:a16="http://schemas.microsoft.com/office/drawing/2014/main" id="{122B00AA-FB3F-F0F2-3DC0-A56C6AF74EBF}"/>
               </a:ext>
             </a:extLst>
           </p:cNvPr>
@@ -856,7 +856,7 @@
           <a:bodyPr/>
           <a:lstStyle/>
           <a:p>
-            <a:fld id="{7517DAA2-34AC-47A8-9386-123B4B973404}" type="datetimeFigureOut">
+            <a:fld id="{6165D026-F303-4DD3-B9D1-3ABE520BC65D}" type="datetimeFigureOut">
               <a:rPr lang="zh-CN" altLang="en-US" smtClean="0"/>
               <a:t>2024/3/10</a:t>
             </a:fld>
@@ -869,7 +869,7 @@
           <p:cNvPr id="5" name="页脚占位符 4">
             <a:extLst>
               <a:ext uri="{FF2B5EF4-FFF2-40B4-BE49-F238E27FC236}">
-                <a16:creationId xmlns:a16="http://schemas.microsoft.com/office/drawing/2014/main" id="{D1D8D254-C604-94DE-0A2D-93EA47513E60}"/>
+                <a16:creationId xmlns:a16="http://schemas.microsoft.com/office/drawing/2014/main" id="{0097FB52-EE75-CB86-1F90-93FEC95027BA}"/>
               </a:ext>
             </a:extLst>
           </p:cNvPr>
@@ -894,7 +894,7 @@
           <p:cNvPr id="6" name="灯片编号占位符 5">
             <a:extLst>
               <a:ext uri="{FF2B5EF4-FFF2-40B4-BE49-F238E27FC236}">
-                <a16:creationId xmlns:a16="http://schemas.microsoft.com/office/drawing/2014/main" id="{DCCA9A7F-D621-EAA1-807E-4A266C2FB1BB}"/>
+                <a16:creationId xmlns:a16="http://schemas.microsoft.com/office/drawing/2014/main" id="{0AD01C52-8AA0-6EC8-F102-3A266F3E388C}"/>
               </a:ext>
             </a:extLst>
           </p:cNvPr>
@@ -910,7 +910,7 @@
           <a:bodyPr/>
           <a:lstStyle/>
           <a:p>
-            <a:fld id="{F8B32353-2ADB-4A14-A86A-9116BDB4F69A}" type="slidenum">
+            <a:fld id="{8404013A-21D0-42FC-9985-E89E799A0F4B}" type="slidenum">
               <a:rPr lang="zh-CN" altLang="en-US" smtClean="0"/>
               <a:t>‹#›</a:t>
             </a:fld>
@@ -921,7 +921,7 @@
     </p:spTree>
     <p:extLst>
       <p:ext uri="{BB962C8B-B14F-4D97-AF65-F5344CB8AC3E}">
-        <p14:creationId xmlns:p14="http://schemas.microsoft.com/office/powerpoint/2010/main" val="2211139153"/>
+        <p14:creationId xmlns:p14="http://schemas.microsoft.com/office/powerpoint/2010/main" val="3653040756"/>
       </p:ext>
     </p:extLst>
   </p:cSld>
@@ -953,7 +953,7 @@
           <p:cNvPr id="2" name="标题 1">
             <a:extLst>
               <a:ext uri="{FF2B5EF4-FFF2-40B4-BE49-F238E27FC236}">
-                <a16:creationId xmlns:a16="http://schemas.microsoft.com/office/drawing/2014/main" id="{5825A901-CA8A-F439-6B29-4A78FB6FAD6D}"/>
+                <a16:creationId xmlns:a16="http://schemas.microsoft.com/office/drawing/2014/main" id="{7C600699-49A5-1433-8F31-2DEBF35F4094}"/>
               </a:ext>
             </a:extLst>
           </p:cNvPr>
@@ -990,7 +990,7 @@
           <p:cNvPr id="3" name="文本占位符 2">
             <a:extLst>
               <a:ext uri="{FF2B5EF4-FFF2-40B4-BE49-F238E27FC236}">
-                <a16:creationId xmlns:a16="http://schemas.microsoft.com/office/drawing/2014/main" id="{DA405BCB-A8FF-9D9A-7DA3-19D5187E5142}"/>
+                <a16:creationId xmlns:a16="http://schemas.microsoft.com/office/drawing/2014/main" id="{918DE359-84C0-8E78-41B6-411D1F1D1245}"/>
               </a:ext>
             </a:extLst>
           </p:cNvPr>
@@ -1115,7 +1115,7 @@
           <p:cNvPr id="4" name="日期占位符 3">
             <a:extLst>
               <a:ext uri="{FF2B5EF4-FFF2-40B4-BE49-F238E27FC236}">
-                <a16:creationId xmlns:a16="http://schemas.microsoft.com/office/drawing/2014/main" id="{8FA6663F-9D07-CF80-6BF1-5911395F7450}"/>
+                <a16:creationId xmlns:a16="http://schemas.microsoft.com/office/drawing/2014/main" id="{153C7875-2596-4B69-4DC6-A1558DF37DA7}"/>
               </a:ext>
             </a:extLst>
           </p:cNvPr>
@@ -1131,7 +1131,7 @@
           <a:bodyPr/>
           <a:lstStyle/>
           <a:p>
-            <a:fld id="{7517DAA2-34AC-47A8-9386-123B4B973404}" type="datetimeFigureOut">
+            <a:fld id="{6165D026-F303-4DD3-B9D1-3ABE520BC65D}" type="datetimeFigureOut">
               <a:rPr lang="zh-CN" altLang="en-US" smtClean="0"/>
               <a:t>2024/3/10</a:t>
             </a:fld>
@@ -1144,7 +1144,7 @@
           <p:cNvPr id="5" name="页脚占位符 4">
             <a:extLst>
               <a:ext uri="{FF2B5EF4-FFF2-40B4-BE49-F238E27FC236}">
-                <a16:creationId xmlns:a16="http://schemas.microsoft.com/office/drawing/2014/main" id="{90E91C2C-55C5-2024-EBFE-E86375F2FB47}"/>
+                <a16:creationId xmlns:a16="http://schemas.microsoft.com/office/drawing/2014/main" id="{0CB694A8-B128-6E02-C596-11F2457FE676}"/>
               </a:ext>
             </a:extLst>
           </p:cNvPr>
@@ -1169,7 +1169,7 @@
           <p:cNvPr id="6" name="灯片编号占位符 5">
             <a:extLst>
               <a:ext uri="{FF2B5EF4-FFF2-40B4-BE49-F238E27FC236}">
-                <a16:creationId xmlns:a16="http://schemas.microsoft.com/office/drawing/2014/main" id="{9BD8046F-0D29-999F-5C30-AA7D0DE82E8E}"/>
+                <a16:creationId xmlns:a16="http://schemas.microsoft.com/office/drawing/2014/main" id="{6E914C88-549D-E316-0F31-241D3FABDBEC}"/>
               </a:ext>
             </a:extLst>
           </p:cNvPr>
@@ -1185,7 +1185,7 @@
           <a:bodyPr/>
           <a:lstStyle/>
           <a:p>
-            <a:fld id="{F8B32353-2ADB-4A14-A86A-9116BDB4F69A}" type="slidenum">
+            <a:fld id="{8404013A-21D0-42FC-9985-E89E799A0F4B}" type="slidenum">
               <a:rPr lang="zh-CN" altLang="en-US" smtClean="0"/>
               <a:t>‹#›</a:t>
             </a:fld>
@@ -1196,7 +1196,7 @@
     </p:spTree>
     <p:extLst>
       <p:ext uri="{BB962C8B-B14F-4D97-AF65-F5344CB8AC3E}">
-        <p14:creationId xmlns:p14="http://schemas.microsoft.com/office/powerpoint/2010/main" val="2621441652"/>
+        <p14:creationId xmlns:p14="http://schemas.microsoft.com/office/powerpoint/2010/main" val="3746426476"/>
       </p:ext>
     </p:extLst>
   </p:cSld>
@@ -1228,7 +1228,7 @@
           <p:cNvPr id="2" name="标题 1">
             <a:extLst>
               <a:ext uri="{FF2B5EF4-FFF2-40B4-BE49-F238E27FC236}">
-                <a16:creationId xmlns:a16="http://schemas.microsoft.com/office/drawing/2014/main" id="{3FD68023-8908-40F7-7956-D644C1DF8C8F}"/>
+                <a16:creationId xmlns:a16="http://schemas.microsoft.com/office/drawing/2014/main" id="{B1BC424D-D433-B3D6-6031-94079EF73F4B}"/>
               </a:ext>
             </a:extLst>
           </p:cNvPr>
@@ -1256,7 +1256,7 @@
           <p:cNvPr id="3" name="内容占位符 2">
             <a:extLst>
               <a:ext uri="{FF2B5EF4-FFF2-40B4-BE49-F238E27FC236}">
-                <a16:creationId xmlns:a16="http://schemas.microsoft.com/office/drawing/2014/main" id="{53CAAFD9-F5F3-16AB-A1D2-0C8C214F0E0E}"/>
+                <a16:creationId xmlns:a16="http://schemas.microsoft.com/office/drawing/2014/main" id="{B8C9DE27-CE3F-E690-C09D-278032DC8B22}"/>
               </a:ext>
             </a:extLst>
           </p:cNvPr>
@@ -1318,7 +1318,7 @@
           <p:cNvPr id="4" name="内容占位符 3">
             <a:extLst>
               <a:ext uri="{FF2B5EF4-FFF2-40B4-BE49-F238E27FC236}">
-                <a16:creationId xmlns:a16="http://schemas.microsoft.com/office/drawing/2014/main" id="{961FE3F0-4098-668F-7B42-53598634F39A}"/>
+                <a16:creationId xmlns:a16="http://schemas.microsoft.com/office/drawing/2014/main" id="{9EFADB00-244C-65A7-F433-6775948A401F}"/>
               </a:ext>
             </a:extLst>
           </p:cNvPr>
@@ -1380,7 +1380,7 @@
           <p:cNvPr id="5" name="日期占位符 4">
             <a:extLst>
               <a:ext uri="{FF2B5EF4-FFF2-40B4-BE49-F238E27FC236}">
-                <a16:creationId xmlns:a16="http://schemas.microsoft.com/office/drawing/2014/main" id="{E97E26AD-1563-CC10-BC55-7F3E6F5C9462}"/>
+                <a16:creationId xmlns:a16="http://schemas.microsoft.com/office/drawing/2014/main" id="{8A227D67-AE26-CFE7-A08F-E193F6D644D3}"/>
               </a:ext>
             </a:extLst>
           </p:cNvPr>
@@ -1396,7 +1396,7 @@
           <a:bodyPr/>
           <a:lstStyle/>
           <a:p>
-            <a:fld id="{7517DAA2-34AC-47A8-9386-123B4B973404}" type="datetimeFigureOut">
+            <a:fld id="{6165D026-F303-4DD3-B9D1-3ABE520BC65D}" type="datetimeFigureOut">
               <a:rPr lang="zh-CN" altLang="en-US" smtClean="0"/>
               <a:t>2024/3/10</a:t>
             </a:fld>
@@ -1409,7 +1409,7 @@
           <p:cNvPr id="6" name="页脚占位符 5">
             <a:extLst>
               <a:ext uri="{FF2B5EF4-FFF2-40B4-BE49-F238E27FC236}">
-                <a16:creationId xmlns:a16="http://schemas.microsoft.com/office/drawing/2014/main" id="{B2781665-8C45-43FB-0715-CDD71A70A676}"/>
+                <a16:creationId xmlns:a16="http://schemas.microsoft.com/office/drawing/2014/main" id="{85EBAC92-8722-D255-7AA2-17CE33AF6A63}"/>
               </a:ext>
             </a:extLst>
           </p:cNvPr>
@@ -1434,7 +1434,7 @@
           <p:cNvPr id="7" name="灯片编号占位符 6">
             <a:extLst>
               <a:ext uri="{FF2B5EF4-FFF2-40B4-BE49-F238E27FC236}">
-                <a16:creationId xmlns:a16="http://schemas.microsoft.com/office/drawing/2014/main" id="{C3BD9688-C0C9-306A-AFD0-FC5C39F65138}"/>
+                <a16:creationId xmlns:a16="http://schemas.microsoft.com/office/drawing/2014/main" id="{CC5578D9-7DEE-97CB-716F-BFA8D171CFEC}"/>
               </a:ext>
             </a:extLst>
           </p:cNvPr>
@@ -1450,7 +1450,7 @@
           <a:bodyPr/>
           <a:lstStyle/>
           <a:p>
-            <a:fld id="{F8B32353-2ADB-4A14-A86A-9116BDB4F69A}" type="slidenum">
+            <a:fld id="{8404013A-21D0-42FC-9985-E89E799A0F4B}" type="slidenum">
               <a:rPr lang="zh-CN" altLang="en-US" smtClean="0"/>
               <a:t>‹#›</a:t>
             </a:fld>
@@ -1461,7 +1461,7 @@
     </p:spTree>
     <p:extLst>
       <p:ext uri="{BB962C8B-B14F-4D97-AF65-F5344CB8AC3E}">
-        <p14:creationId xmlns:p14="http://schemas.microsoft.com/office/powerpoint/2010/main" val="3384709168"/>
+        <p14:creationId xmlns:p14="http://schemas.microsoft.com/office/powerpoint/2010/main" val="1467848063"/>
       </p:ext>
     </p:extLst>
   </p:cSld>
@@ -1493,7 +1493,7 @@
           <p:cNvPr id="2" name="标题 1">
             <a:extLst>
               <a:ext uri="{FF2B5EF4-FFF2-40B4-BE49-F238E27FC236}">
-                <a16:creationId xmlns:a16="http://schemas.microsoft.com/office/drawing/2014/main" id="{5F7F8B19-07BC-EDB1-A681-6D51EC174EBB}"/>
+                <a16:creationId xmlns:a16="http://schemas.microsoft.com/office/drawing/2014/main" id="{BABB02D6-5034-76CD-1FF4-2AF10FA46C61}"/>
               </a:ext>
             </a:extLst>
           </p:cNvPr>
@@ -1526,7 +1526,7 @@
           <p:cNvPr id="3" name="文本占位符 2">
             <a:extLst>
               <a:ext uri="{FF2B5EF4-FFF2-40B4-BE49-F238E27FC236}">
-                <a16:creationId xmlns:a16="http://schemas.microsoft.com/office/drawing/2014/main" id="{59E37943-E0E0-D119-A591-C971BBD1804C}"/>
+                <a16:creationId xmlns:a16="http://schemas.microsoft.com/office/drawing/2014/main" id="{760B2217-7CDB-4FF4-FD82-3F5986EAE78F}"/>
               </a:ext>
             </a:extLst>
           </p:cNvPr>
@@ -1597,7 +1597,7 @@
           <p:cNvPr id="4" name="内容占位符 3">
             <a:extLst>
               <a:ext uri="{FF2B5EF4-FFF2-40B4-BE49-F238E27FC236}">
-                <a16:creationId xmlns:a16="http://schemas.microsoft.com/office/drawing/2014/main" id="{925D8664-6504-2AAC-8D93-46F90B934467}"/>
+                <a16:creationId xmlns:a16="http://schemas.microsoft.com/office/drawing/2014/main" id="{29A62838-79D6-9E94-F17C-655CDBD2B1AD}"/>
               </a:ext>
             </a:extLst>
           </p:cNvPr>
@@ -1659,7 +1659,7 @@
           <p:cNvPr id="5" name="文本占位符 4">
             <a:extLst>
               <a:ext uri="{FF2B5EF4-FFF2-40B4-BE49-F238E27FC236}">
-                <a16:creationId xmlns:a16="http://schemas.microsoft.com/office/drawing/2014/main" id="{AE52F8C5-B3F9-301C-9C28-D98F8E8C0783}"/>
+                <a16:creationId xmlns:a16="http://schemas.microsoft.com/office/drawing/2014/main" id="{90DB89E5-C91D-04A2-BEE5-95488B57D018}"/>
               </a:ext>
             </a:extLst>
           </p:cNvPr>
@@ -1730,7 +1730,7 @@
           <p:cNvPr id="6" name="内容占位符 5">
             <a:extLst>
               <a:ext uri="{FF2B5EF4-FFF2-40B4-BE49-F238E27FC236}">
-                <a16:creationId xmlns:a16="http://schemas.microsoft.com/office/drawing/2014/main" id="{B7245E23-18D5-64FC-3662-3773183B5D3E}"/>
+                <a16:creationId xmlns:a16="http://schemas.microsoft.com/office/drawing/2014/main" id="{39E74F1F-8F4E-205F-EBBA-D81BCC0F5D2A}"/>
               </a:ext>
             </a:extLst>
           </p:cNvPr>
@@ -1792,7 +1792,7 @@
           <p:cNvPr id="7" name="日期占位符 6">
             <a:extLst>
               <a:ext uri="{FF2B5EF4-FFF2-40B4-BE49-F238E27FC236}">
-                <a16:creationId xmlns:a16="http://schemas.microsoft.com/office/drawing/2014/main" id="{86FC7782-A80F-6C41-6DCE-C9D1308405EA}"/>
+                <a16:creationId xmlns:a16="http://schemas.microsoft.com/office/drawing/2014/main" id="{BE76E789-3E4F-32FA-7703-446F8CC60D01}"/>
               </a:ext>
             </a:extLst>
           </p:cNvPr>
@@ -1808,7 +1808,7 @@
           <a:bodyPr/>
           <a:lstStyle/>
           <a:p>
-            <a:fld id="{7517DAA2-34AC-47A8-9386-123B4B973404}" type="datetimeFigureOut">
+            <a:fld id="{6165D026-F303-4DD3-B9D1-3ABE520BC65D}" type="datetimeFigureOut">
               <a:rPr lang="zh-CN" altLang="en-US" smtClean="0"/>
               <a:t>2024/3/10</a:t>
             </a:fld>
@@ -1821,7 +1821,7 @@
           <p:cNvPr id="8" name="页脚占位符 7">
             <a:extLst>
               <a:ext uri="{FF2B5EF4-FFF2-40B4-BE49-F238E27FC236}">
-                <a16:creationId xmlns:a16="http://schemas.microsoft.com/office/drawing/2014/main" id="{D77E9EC7-8230-E1B2-CD03-73BC941DF089}"/>
+                <a16:creationId xmlns:a16="http://schemas.microsoft.com/office/drawing/2014/main" id="{2DA4642A-F618-641B-33B4-48E4D8931E8F}"/>
               </a:ext>
             </a:extLst>
           </p:cNvPr>
@@ -1846,7 +1846,7 @@
           <p:cNvPr id="9" name="灯片编号占位符 8">
             <a:extLst>
               <a:ext uri="{FF2B5EF4-FFF2-40B4-BE49-F238E27FC236}">
-                <a16:creationId xmlns:a16="http://schemas.microsoft.com/office/drawing/2014/main" id="{DC76514C-2182-A8CC-C8FF-4228AF2D429A}"/>
+                <a16:creationId xmlns:a16="http://schemas.microsoft.com/office/drawing/2014/main" id="{C8CE4911-832B-A7C2-8F39-0BD15C41EA29}"/>
               </a:ext>
             </a:extLst>
           </p:cNvPr>
@@ -1862,7 +1862,7 @@
           <a:bodyPr/>
           <a:lstStyle/>
           <a:p>
-            <a:fld id="{F8B32353-2ADB-4A14-A86A-9116BDB4F69A}" type="slidenum">
+            <a:fld id="{8404013A-21D0-42FC-9985-E89E799A0F4B}" type="slidenum">
               <a:rPr lang="zh-CN" altLang="en-US" smtClean="0"/>
               <a:t>‹#›</a:t>
             </a:fld>
@@ -1873,7 +1873,7 @@
     </p:spTree>
     <p:extLst>
       <p:ext uri="{BB962C8B-B14F-4D97-AF65-F5344CB8AC3E}">
-        <p14:creationId xmlns:p14="http://schemas.microsoft.com/office/powerpoint/2010/main" val="4190781441"/>
+        <p14:creationId xmlns:p14="http://schemas.microsoft.com/office/powerpoint/2010/main" val="943663432"/>
       </p:ext>
     </p:extLst>
   </p:cSld>
@@ -1905,7 +1905,7 @@
           <p:cNvPr id="2" name="标题 1">
             <a:extLst>
               <a:ext uri="{FF2B5EF4-FFF2-40B4-BE49-F238E27FC236}">
-                <a16:creationId xmlns:a16="http://schemas.microsoft.com/office/drawing/2014/main" id="{C0DFCE19-98F6-61CA-8B20-A5C184D40579}"/>
+                <a16:creationId xmlns:a16="http://schemas.microsoft.com/office/drawing/2014/main" id="{74D319A6-10FD-5AB9-2D66-E44287FEB895}"/>
               </a:ext>
             </a:extLst>
           </p:cNvPr>
@@ -1933,7 +1933,7 @@
           <p:cNvPr id="3" name="日期占位符 2">
             <a:extLst>
               <a:ext uri="{FF2B5EF4-FFF2-40B4-BE49-F238E27FC236}">
-                <a16:creationId xmlns:a16="http://schemas.microsoft.com/office/drawing/2014/main" id="{D43D0F6F-76B5-58F0-A219-40EE4A135795}"/>
+                <a16:creationId xmlns:a16="http://schemas.microsoft.com/office/drawing/2014/main" id="{40B30C63-1BD9-2AC8-5027-328F37167DE0}"/>
               </a:ext>
             </a:extLst>
           </p:cNvPr>
@@ -1949,7 +1949,7 @@
           <a:bodyPr/>
           <a:lstStyle/>
           <a:p>
-            <a:fld id="{7517DAA2-34AC-47A8-9386-123B4B973404}" type="datetimeFigureOut">
+            <a:fld id="{6165D026-F303-4DD3-B9D1-3ABE520BC65D}" type="datetimeFigureOut">
               <a:rPr lang="zh-CN" altLang="en-US" smtClean="0"/>
               <a:t>2024/3/10</a:t>
             </a:fld>
@@ -1962,7 +1962,7 @@
           <p:cNvPr id="4" name="页脚占位符 3">
             <a:extLst>
               <a:ext uri="{FF2B5EF4-FFF2-40B4-BE49-F238E27FC236}">
-                <a16:creationId xmlns:a16="http://schemas.microsoft.com/office/drawing/2014/main" id="{D894687B-60CB-9A43-0F68-86628A5855D4}"/>
+                <a16:creationId xmlns:a16="http://schemas.microsoft.com/office/drawing/2014/main" id="{E2A53526-9D72-210F-8D92-84E958F438DF}"/>
               </a:ext>
             </a:extLst>
           </p:cNvPr>
@@ -1987,7 +1987,7 @@
           <p:cNvPr id="5" name="灯片编号占位符 4">
             <a:extLst>
               <a:ext uri="{FF2B5EF4-FFF2-40B4-BE49-F238E27FC236}">
-                <a16:creationId xmlns:a16="http://schemas.microsoft.com/office/drawing/2014/main" id="{B1816E89-9D85-E298-6793-442E2DB2483B}"/>
+                <a16:creationId xmlns:a16="http://schemas.microsoft.com/office/drawing/2014/main" id="{3ED50695-C704-C606-D12F-8DCA5DF681DA}"/>
               </a:ext>
             </a:extLst>
           </p:cNvPr>
@@ -2003,7 +2003,7 @@
           <a:bodyPr/>
           <a:lstStyle/>
           <a:p>
-            <a:fld id="{F8B32353-2ADB-4A14-A86A-9116BDB4F69A}" type="slidenum">
+            <a:fld id="{8404013A-21D0-42FC-9985-E89E799A0F4B}" type="slidenum">
               <a:rPr lang="zh-CN" altLang="en-US" smtClean="0"/>
               <a:t>‹#›</a:t>
             </a:fld>
@@ -2014,7 +2014,7 @@
     </p:spTree>
     <p:extLst>
       <p:ext uri="{BB962C8B-B14F-4D97-AF65-F5344CB8AC3E}">
-        <p14:creationId xmlns:p14="http://schemas.microsoft.com/office/powerpoint/2010/main" val="906762996"/>
+        <p14:creationId xmlns:p14="http://schemas.microsoft.com/office/powerpoint/2010/main" val="2786609708"/>
       </p:ext>
     </p:extLst>
   </p:cSld>
@@ -2046,7 +2046,7 @@
           <p:cNvPr id="2" name="日期占位符 1">
             <a:extLst>
               <a:ext uri="{FF2B5EF4-FFF2-40B4-BE49-F238E27FC236}">
-                <a16:creationId xmlns:a16="http://schemas.microsoft.com/office/drawing/2014/main" id="{C161E173-2546-3B5A-5235-370891686DB9}"/>
+                <a16:creationId xmlns:a16="http://schemas.microsoft.com/office/drawing/2014/main" id="{BCF4E921-7283-3A37-D7E0-691C934C9B22}"/>
               </a:ext>
             </a:extLst>
           </p:cNvPr>
@@ -2062,7 +2062,7 @@
           <a:bodyPr/>
           <a:lstStyle/>
           <a:p>
-            <a:fld id="{7517DAA2-34AC-47A8-9386-123B4B973404}" type="datetimeFigureOut">
+            <a:fld id="{6165D026-F303-4DD3-B9D1-3ABE520BC65D}" type="datetimeFigureOut">
               <a:rPr lang="zh-CN" altLang="en-US" smtClean="0"/>
               <a:t>2024/3/10</a:t>
             </a:fld>
@@ -2075,7 +2075,7 @@
           <p:cNvPr id="3" name="页脚占位符 2">
             <a:extLst>
               <a:ext uri="{FF2B5EF4-FFF2-40B4-BE49-F238E27FC236}">
-                <a16:creationId xmlns:a16="http://schemas.microsoft.com/office/drawing/2014/main" id="{9B6FE0B5-0A31-A921-6A36-E17D9DF0F9BA}"/>
+                <a16:creationId xmlns:a16="http://schemas.microsoft.com/office/drawing/2014/main" id="{C6DF51F4-B667-294E-B5C1-4A711331117D}"/>
               </a:ext>
             </a:extLst>
           </p:cNvPr>
@@ -2100,7 +2100,7 @@
           <p:cNvPr id="4" name="灯片编号占位符 3">
             <a:extLst>
               <a:ext uri="{FF2B5EF4-FFF2-40B4-BE49-F238E27FC236}">
-                <a16:creationId xmlns:a16="http://schemas.microsoft.com/office/drawing/2014/main" id="{E66E811C-0773-C870-B505-7B16E1443910}"/>
+                <a16:creationId xmlns:a16="http://schemas.microsoft.com/office/drawing/2014/main" id="{1E034252-EFE4-DD95-6D99-16987E206463}"/>
               </a:ext>
             </a:extLst>
           </p:cNvPr>
@@ -2116,7 +2116,7 @@
           <a:bodyPr/>
           <a:lstStyle/>
           <a:p>
-            <a:fld id="{F8B32353-2ADB-4A14-A86A-9116BDB4F69A}" type="slidenum">
+            <a:fld id="{8404013A-21D0-42FC-9985-E89E799A0F4B}" type="slidenum">
               <a:rPr lang="zh-CN" altLang="en-US" smtClean="0"/>
               <a:t>‹#›</a:t>
             </a:fld>
@@ -2127,7 +2127,7 @@
     </p:spTree>
     <p:extLst>
       <p:ext uri="{BB962C8B-B14F-4D97-AF65-F5344CB8AC3E}">
-        <p14:creationId xmlns:p14="http://schemas.microsoft.com/office/powerpoint/2010/main" val="1943835355"/>
+        <p14:creationId xmlns:p14="http://schemas.microsoft.com/office/powerpoint/2010/main" val="2525842797"/>
       </p:ext>
     </p:extLst>
   </p:cSld>
@@ -2159,7 +2159,7 @@
           <p:cNvPr id="2" name="标题 1">
             <a:extLst>
               <a:ext uri="{FF2B5EF4-FFF2-40B4-BE49-F238E27FC236}">
-                <a16:creationId xmlns:a16="http://schemas.microsoft.com/office/drawing/2014/main" id="{5463871F-567C-32D3-047A-DCF58D975E24}"/>
+                <a16:creationId xmlns:a16="http://schemas.microsoft.com/office/drawing/2014/main" id="{8708DC84-D447-8B75-78EC-3F063614C3A2}"/>
               </a:ext>
             </a:extLst>
           </p:cNvPr>
@@ -2196,7 +2196,7 @@
           <p:cNvPr id="3" name="内容占位符 2">
             <a:extLst>
               <a:ext uri="{FF2B5EF4-FFF2-40B4-BE49-F238E27FC236}">
-                <a16:creationId xmlns:a16="http://schemas.microsoft.com/office/drawing/2014/main" id="{0B408E76-5657-8808-2A4D-5C1742E82B87}"/>
+                <a16:creationId xmlns:a16="http://schemas.microsoft.com/office/drawing/2014/main" id="{BC2AD388-EB5E-40F7-ABB5-DD8A5AEEFB34}"/>
               </a:ext>
             </a:extLst>
           </p:cNvPr>
@@ -2286,7 +2286,7 @@
           <p:cNvPr id="4" name="文本占位符 3">
             <a:extLst>
               <a:ext uri="{FF2B5EF4-FFF2-40B4-BE49-F238E27FC236}">
-                <a16:creationId xmlns:a16="http://schemas.microsoft.com/office/drawing/2014/main" id="{BBD85ECC-B0BC-1571-A330-0ADA534CB8CF}"/>
+                <a16:creationId xmlns:a16="http://schemas.microsoft.com/office/drawing/2014/main" id="{98232334-7B64-B285-97CE-46771345D821}"/>
               </a:ext>
             </a:extLst>
           </p:cNvPr>
@@ -2357,7 +2357,7 @@
           <p:cNvPr id="5" name="日期占位符 4">
             <a:extLst>
               <a:ext uri="{FF2B5EF4-FFF2-40B4-BE49-F238E27FC236}">
-                <a16:creationId xmlns:a16="http://schemas.microsoft.com/office/drawing/2014/main" id="{A440EFD1-25DD-A95A-9005-DAF14A000763}"/>
+                <a16:creationId xmlns:a16="http://schemas.microsoft.com/office/drawing/2014/main" id="{54D68534-9C17-2E3F-615A-5C13FF62D0CC}"/>
               </a:ext>
             </a:extLst>
           </p:cNvPr>
@@ -2373,7 +2373,7 @@
           <a:bodyPr/>
           <a:lstStyle/>
           <a:p>
-            <a:fld id="{7517DAA2-34AC-47A8-9386-123B4B973404}" type="datetimeFigureOut">
+            <a:fld id="{6165D026-F303-4DD3-B9D1-3ABE520BC65D}" type="datetimeFigureOut">
               <a:rPr lang="zh-CN" altLang="en-US" smtClean="0"/>
               <a:t>2024/3/10</a:t>
             </a:fld>
@@ -2386,7 +2386,7 @@
           <p:cNvPr id="6" name="页脚占位符 5">
             <a:extLst>
               <a:ext uri="{FF2B5EF4-FFF2-40B4-BE49-F238E27FC236}">
-                <a16:creationId xmlns:a16="http://schemas.microsoft.com/office/drawing/2014/main" id="{95A9883C-6B78-B4E3-5F26-71E839BA1899}"/>
+                <a16:creationId xmlns:a16="http://schemas.microsoft.com/office/drawing/2014/main" id="{8020B7AB-485A-B618-67A8-BB69A57F4AAB}"/>
               </a:ext>
             </a:extLst>
           </p:cNvPr>
@@ -2411,7 +2411,7 @@
           <p:cNvPr id="7" name="灯片编号占位符 6">
             <a:extLst>
               <a:ext uri="{FF2B5EF4-FFF2-40B4-BE49-F238E27FC236}">
-                <a16:creationId xmlns:a16="http://schemas.microsoft.com/office/drawing/2014/main" id="{3E367013-28F0-EFF0-EB10-73ADD5C631EF}"/>
+                <a16:creationId xmlns:a16="http://schemas.microsoft.com/office/drawing/2014/main" id="{70D9BC0B-3D69-BFE8-9F63-6817EF1C07F4}"/>
               </a:ext>
             </a:extLst>
           </p:cNvPr>
@@ -2427,7 +2427,7 @@
           <a:bodyPr/>
           <a:lstStyle/>
           <a:p>
-            <a:fld id="{F8B32353-2ADB-4A14-A86A-9116BDB4F69A}" type="slidenum">
+            <a:fld id="{8404013A-21D0-42FC-9985-E89E799A0F4B}" type="slidenum">
               <a:rPr lang="zh-CN" altLang="en-US" smtClean="0"/>
               <a:t>‹#›</a:t>
             </a:fld>
@@ -2438,7 +2438,7 @@
     </p:spTree>
     <p:extLst>
       <p:ext uri="{BB962C8B-B14F-4D97-AF65-F5344CB8AC3E}">
-        <p14:creationId xmlns:p14="http://schemas.microsoft.com/office/powerpoint/2010/main" val="883480491"/>
+        <p14:creationId xmlns:p14="http://schemas.microsoft.com/office/powerpoint/2010/main" val="1640551865"/>
       </p:ext>
     </p:extLst>
   </p:cSld>
@@ -2470,7 +2470,7 @@
           <p:cNvPr id="2" name="标题 1">
             <a:extLst>
               <a:ext uri="{FF2B5EF4-FFF2-40B4-BE49-F238E27FC236}">
-                <a16:creationId xmlns:a16="http://schemas.microsoft.com/office/drawing/2014/main" id="{733680EF-B822-5042-3BD7-D529010736CB}"/>
+                <a16:creationId xmlns:a16="http://schemas.microsoft.com/office/drawing/2014/main" id="{B2DFAE05-B4BC-C174-C300-3E8BAC8C494A}"/>
               </a:ext>
             </a:extLst>
           </p:cNvPr>
@@ -2507,7 +2507,7 @@
           <p:cNvPr id="3" name="图片占位符 2">
             <a:extLst>
               <a:ext uri="{FF2B5EF4-FFF2-40B4-BE49-F238E27FC236}">
-                <a16:creationId xmlns:a16="http://schemas.microsoft.com/office/drawing/2014/main" id="{D1C5F60A-807E-83FC-B748-62DEDB59A5B0}"/>
+                <a16:creationId xmlns:a16="http://schemas.microsoft.com/office/drawing/2014/main" id="{EB09ECAB-8BE8-78EE-ECBD-1C3006A4DDBC}"/>
               </a:ext>
             </a:extLst>
           </p:cNvPr>
@@ -2574,7 +2574,7 @@
           <p:cNvPr id="4" name="文本占位符 3">
             <a:extLst>
               <a:ext uri="{FF2B5EF4-FFF2-40B4-BE49-F238E27FC236}">
-                <a16:creationId xmlns:a16="http://schemas.microsoft.com/office/drawing/2014/main" id="{0C7A1825-F693-1A85-EF44-339B21764DB9}"/>
+                <a16:creationId xmlns:a16="http://schemas.microsoft.com/office/drawing/2014/main" id="{3B9B7532-C4AF-0E6F-B7DD-3306EE53F7A8}"/>
               </a:ext>
             </a:extLst>
           </p:cNvPr>
@@ -2645,7 +2645,7 @@
           <p:cNvPr id="5" name="日期占位符 4">
             <a:extLst>
               <a:ext uri="{FF2B5EF4-FFF2-40B4-BE49-F238E27FC236}">
-                <a16:creationId xmlns:a16="http://schemas.microsoft.com/office/drawing/2014/main" id="{13D5A4F7-F161-CA30-BF1A-3AAA3BCC371C}"/>
+                <a16:creationId xmlns:a16="http://schemas.microsoft.com/office/drawing/2014/main" id="{4A962D63-60E5-C36D-37AA-912CFF962F65}"/>
               </a:ext>
             </a:extLst>
           </p:cNvPr>
@@ -2661,7 +2661,7 @@
           <a:bodyPr/>
           <a:lstStyle/>
           <a:p>
-            <a:fld id="{7517DAA2-34AC-47A8-9386-123B4B973404}" type="datetimeFigureOut">
+            <a:fld id="{6165D026-F303-4DD3-B9D1-3ABE520BC65D}" type="datetimeFigureOut">
               <a:rPr lang="zh-CN" altLang="en-US" smtClean="0"/>
               <a:t>2024/3/10</a:t>
             </a:fld>
@@ -2674,7 +2674,7 @@
           <p:cNvPr id="6" name="页脚占位符 5">
             <a:extLst>
               <a:ext uri="{FF2B5EF4-FFF2-40B4-BE49-F238E27FC236}">
-                <a16:creationId xmlns:a16="http://schemas.microsoft.com/office/drawing/2014/main" id="{72197F54-FFF0-75DE-A6F8-696A85AC6F70}"/>
+                <a16:creationId xmlns:a16="http://schemas.microsoft.com/office/drawing/2014/main" id="{9B9AA634-A00A-6D23-3F4F-C2377693C56A}"/>
               </a:ext>
             </a:extLst>
           </p:cNvPr>
@@ -2699,7 +2699,7 @@
           <p:cNvPr id="7" name="灯片编号占位符 6">
             <a:extLst>
               <a:ext uri="{FF2B5EF4-FFF2-40B4-BE49-F238E27FC236}">
-                <a16:creationId xmlns:a16="http://schemas.microsoft.com/office/drawing/2014/main" id="{ED79B3C2-D83A-7C7F-54A3-61EFFBF0C1FA}"/>
+                <a16:creationId xmlns:a16="http://schemas.microsoft.com/office/drawing/2014/main" id="{B764A55D-01CC-7474-4522-B4B97E6C6B0E}"/>
               </a:ext>
             </a:extLst>
           </p:cNvPr>
@@ -2715,7 +2715,7 @@
           <a:bodyPr/>
           <a:lstStyle/>
           <a:p>
-            <a:fld id="{F8B32353-2ADB-4A14-A86A-9116BDB4F69A}" type="slidenum">
+            <a:fld id="{8404013A-21D0-42FC-9985-E89E799A0F4B}" type="slidenum">
               <a:rPr lang="zh-CN" altLang="en-US" smtClean="0"/>
               <a:t>‹#›</a:t>
             </a:fld>
@@ -2726,7 +2726,7 @@
     </p:spTree>
     <p:extLst>
       <p:ext uri="{BB962C8B-B14F-4D97-AF65-F5344CB8AC3E}">
-        <p14:creationId xmlns:p14="http://schemas.microsoft.com/office/powerpoint/2010/main" val="1608428476"/>
+        <p14:creationId xmlns:p14="http://schemas.microsoft.com/office/powerpoint/2010/main" val="3325789233"/>
       </p:ext>
     </p:extLst>
   </p:cSld>
@@ -2763,7 +2763,7 @@
           <p:cNvPr id="2" name="标题占位符 1">
             <a:extLst>
               <a:ext uri="{FF2B5EF4-FFF2-40B4-BE49-F238E27FC236}">
-                <a16:creationId xmlns:a16="http://schemas.microsoft.com/office/drawing/2014/main" id="{52CEC18A-D909-0826-2366-516862FD5A66}"/>
+                <a16:creationId xmlns:a16="http://schemas.microsoft.com/office/drawing/2014/main" id="{F2E9052D-DCA2-3441-515A-0802969E591F}"/>
               </a:ext>
             </a:extLst>
           </p:cNvPr>
@@ -2801,7 +2801,7 @@
           <p:cNvPr id="3" name="文本占位符 2">
             <a:extLst>
               <a:ext uri="{FF2B5EF4-FFF2-40B4-BE49-F238E27FC236}">
-                <a16:creationId xmlns:a16="http://schemas.microsoft.com/office/drawing/2014/main" id="{98A0BED2-6E3A-2FC8-5D15-25760FC5C786}"/>
+                <a16:creationId xmlns:a16="http://schemas.microsoft.com/office/drawing/2014/main" id="{B96FF432-BAD9-1997-C52B-ED91A41C0C7F}"/>
               </a:ext>
             </a:extLst>
           </p:cNvPr>
@@ -2868,7 +2868,7 @@
           <p:cNvPr id="4" name="日期占位符 3">
             <a:extLst>
               <a:ext uri="{FF2B5EF4-FFF2-40B4-BE49-F238E27FC236}">
-                <a16:creationId xmlns:a16="http://schemas.microsoft.com/office/drawing/2014/main" id="{3530C128-E654-AEC3-8490-23C2F94DD68A}"/>
+                <a16:creationId xmlns:a16="http://schemas.microsoft.com/office/drawing/2014/main" id="{81FC4B6E-945F-F62F-9611-724A0EDA1C5D}"/>
               </a:ext>
             </a:extLst>
           </p:cNvPr>
@@ -2902,7 +2902,7 @@
             </a:lvl1pPr>
           </a:lstStyle>
           <a:p>
-            <a:fld id="{7517DAA2-34AC-47A8-9386-123B4B973404}" type="datetimeFigureOut">
+            <a:fld id="{6165D026-F303-4DD3-B9D1-3ABE520BC65D}" type="datetimeFigureOut">
               <a:rPr lang="zh-CN" altLang="en-US" smtClean="0"/>
               <a:t>2024/3/10</a:t>
             </a:fld>
@@ -2915,7 +2915,7 @@
           <p:cNvPr id="5" name="页脚占位符 4">
             <a:extLst>
               <a:ext uri="{FF2B5EF4-FFF2-40B4-BE49-F238E27FC236}">
-                <a16:creationId xmlns:a16="http://schemas.microsoft.com/office/drawing/2014/main" id="{1CE8A199-2789-5AF6-8DA1-505CB3761E8D}"/>
+                <a16:creationId xmlns:a16="http://schemas.microsoft.com/office/drawing/2014/main" id="{CA4DFF12-6EC2-E04E-1FA0-518FDD52D199}"/>
               </a:ext>
             </a:extLst>
           </p:cNvPr>
@@ -2958,7 +2958,7 @@
           <p:cNvPr id="6" name="灯片编号占位符 5">
             <a:extLst>
               <a:ext uri="{FF2B5EF4-FFF2-40B4-BE49-F238E27FC236}">
-                <a16:creationId xmlns:a16="http://schemas.microsoft.com/office/drawing/2014/main" id="{BF206722-D83F-9E6B-0D2F-A3F342E214E2}"/>
+                <a16:creationId xmlns:a16="http://schemas.microsoft.com/office/drawing/2014/main" id="{7D16E66D-EB45-00F0-6F81-FE5D2FF3187E}"/>
               </a:ext>
             </a:extLst>
           </p:cNvPr>
@@ -2992,7 +2992,7 @@
             </a:lvl1pPr>
           </a:lstStyle>
           <a:p>
-            <a:fld id="{F8B32353-2ADB-4A14-A86A-9116BDB4F69A}" type="slidenum">
+            <a:fld id="{8404013A-21D0-42FC-9985-E89E799A0F4B}" type="slidenum">
               <a:rPr lang="zh-CN" altLang="en-US" smtClean="0"/>
               <a:t>‹#›</a:t>
             </a:fld>
@@ -3003,7 +3003,7 @@
     </p:spTree>
     <p:extLst>
       <p:ext uri="{BB962C8B-B14F-4D97-AF65-F5344CB8AC3E}">
-        <p14:creationId xmlns:p14="http://schemas.microsoft.com/office/powerpoint/2010/main" val="1806912493"/>
+        <p14:creationId xmlns:p14="http://schemas.microsoft.com/office/powerpoint/2010/main" val="2246485773"/>
       </p:ext>
     </p:extLst>
   </p:cSld>
@@ -3323,7 +3323,7 @@
       </p:grpSpPr>
       <p:pic>
         <p:nvPicPr>
-          <p:cNvPr id="335874" name="Picture 2" descr="327"/>
+          <p:cNvPr id="336898" name="Picture 2" descr="328"/>
           <p:cNvPicPr>
             <a:picLocks noChangeAspect="1" noChangeArrowheads="1"/>
           </p:cNvPicPr>
